--- a/poster/poster.pptx
+++ b/poster/poster.pptx
@@ -5069,7 +5069,7 @@
       </p:sp>
       <p:pic>
         <p:nvPicPr>
-          <p:cNvPr id="105" name="Picture Placeholder 104" descr="Closeup of glass beakers" title="Sample Picture"/>
+          <p:cNvPr id="105" name="Picture Placeholder 104" title="Sample Picture"/>
           <p:cNvPicPr>
             <a:picLocks noGrp="1" noChangeAspect="1"/>
           </p:cNvPicPr>
@@ -5078,17 +5078,27 @@
           </p:nvPr>
         </p:nvPicPr>
         <p:blipFill rotWithShape="1">
-          <a:blip r:embed="rId11" cstate="print">
+          <a:blip r:embed="rId11">
             <a:extLst>
               <a:ext uri="{28A0092B-C50C-407E-A947-70E740481C1C}">
                 <a14:useLocalDpi xmlns:a14="http://schemas.microsoft.com/office/drawing/2010/main" val="0"/>
               </a:ext>
+              <a:ext uri="{96DAC541-7B7A-43D3-8B79-37D633B846F1}">
+                <asvg:svgBlip xmlns:asvg="http://schemas.microsoft.com/office/drawing/2016/SVG/main" r:embed="rId12"/>
+              </a:ext>
             </a:extLst>
           </a:blip>
           <a:srcRect/>
-          <a:stretch/>
+          <a:stretch>
+            <a:fillRect/>
+          </a:stretch>
         </p:blipFill>
-        <p:spPr/>
+        <p:spPr>
+          <a:xfrm>
+            <a:off x="20535900" y="-247650"/>
+            <a:ext cx="7143749" cy="4804621"/>
+          </a:xfrm>
+        </p:spPr>
       </p:pic>
       <p:sp>
         <p:nvSpPr>
@@ -5470,17 +5480,8 @@
             </a:pPr>
             <a:r>
               <a:rPr lang="en-US" sz="2750" dirty="0"/>
-              <a:t>We also produced an interactive visualization that is portable on all operating systems. In this visualization, users can pick a behavioral factor, and not only visually see the effect of this factor on mental health for eleven years, but also can get information from each US state by hover the mouse over the state. </a:t>
-            </a:r>
-          </a:p>
-          <a:p>
-            <a:pPr marL="0" indent="0">
-              <a:spcAft>
-                <a:spcPts val="1800"/>
-              </a:spcAft>
-              <a:buNone/>
-            </a:pPr>
-            <a:endParaRPr lang="en-US" sz="2750" dirty="0"/>
+              <a:t>We also produced an interactive visualization that is portable on all operating systems. In this visualization, users can pick a behavioral factor, and not only visually see the effect of this factor on mental health for eleven years, but also can get information from each US state by hover the mouse over the state. A picture of the interactive visualization is in the top right corner of this poster. </a:t>
+            </a:r>
           </a:p>
           <a:p>
             <a:pPr>
@@ -6303,13 +6304,13 @@
           </p:nvPr>
         </p:nvPicPr>
         <p:blipFill>
-          <a:blip r:embed="rId12">
+          <a:blip r:embed="rId13">
             <a:extLst>
               <a:ext uri="{28A0092B-C50C-407E-A947-70E740481C1C}">
                 <a14:useLocalDpi xmlns:a14="http://schemas.microsoft.com/office/drawing/2010/main" val="0"/>
               </a:ext>
               <a:ext uri="{96DAC541-7B7A-43D3-8B79-37D633B846F1}">
-                <asvg:svgBlip xmlns:asvg="http://schemas.microsoft.com/office/drawing/2016/SVG/main" r:embed="rId13"/>
+                <asvg:svgBlip xmlns:asvg="http://schemas.microsoft.com/office/drawing/2016/SVG/main" r:embed="rId14"/>
               </a:ext>
             </a:extLst>
           </a:blip>
@@ -6339,13 +6340,13 @@
           <p:nvPr/>
         </p:nvPicPr>
         <p:blipFill>
-          <a:blip r:embed="rId14">
+          <a:blip r:embed="rId15">
             <a:extLst>
               <a:ext uri="{28A0092B-C50C-407E-A947-70E740481C1C}">
                 <a14:useLocalDpi xmlns:a14="http://schemas.microsoft.com/office/drawing/2010/main" val="0"/>
               </a:ext>
               <a:ext uri="{96DAC541-7B7A-43D3-8B79-37D633B846F1}">
-                <asvg:svgBlip xmlns:asvg="http://schemas.microsoft.com/office/drawing/2016/SVG/main" r:embed="rId15"/>
+                <asvg:svgBlip xmlns:asvg="http://schemas.microsoft.com/office/drawing/2016/SVG/main" r:embed="rId16"/>
               </a:ext>
             </a:extLst>
           </a:blip>

--- a/poster/poster.pptx
+++ b/poster/poster.pptx
@@ -4620,7 +4620,7 @@
         </p:blipFill>
         <p:spPr>
           <a:xfrm>
-            <a:off x="9488042" y="25497535"/>
+            <a:off x="9488042" y="25331279"/>
             <a:ext cx="8398368" cy="5598912"/>
           </a:xfrm>
           <a:prstGeom prst="rect">
@@ -4659,7 +4659,7 @@
         </p:blipFill>
         <p:spPr>
           <a:xfrm>
-            <a:off x="9426893" y="20353051"/>
+            <a:off x="9426893" y="19999757"/>
             <a:ext cx="8398368" cy="5598912"/>
           </a:xfrm>
           <a:prstGeom prst="rect">
@@ -4979,7 +4979,7 @@
         </p:nvSpPr>
         <p:spPr>
           <a:xfrm>
-            <a:off x="9686726" y="16676998"/>
+            <a:off x="9686726" y="16031542"/>
             <a:ext cx="8001000" cy="1354667"/>
           </a:xfrm>
         </p:spPr>
@@ -6033,7 +6033,7 @@
         <p:spPr>
           <a:xfrm>
             <a:off x="9686727" y="12367550"/>
-            <a:ext cx="8001000" cy="4117050"/>
+            <a:ext cx="8001000" cy="3514252"/>
           </a:xfrm>
           <a:prstGeom prst="rect">
             <a:avLst/>
@@ -6264,25 +6264,16 @@
             </a:pPr>
             <a:r>
               <a:rPr lang="en-US" sz="2750" dirty="0"/>
-              <a:t>We used  11  years  of  BRFSS  data  (3GB  from  2007 to  2017).  We  obtain  the  data  in  SAS XPT  format and we converted it to SQLite tables. </a:t>
-            </a:r>
-          </a:p>
-          <a:p>
-            <a:pPr marL="0" indent="0">
+              <a:t>We used 11 years of BRFSS  data  (9GB  from  2007 to  2017). We obtain  the  data  in  SAS XPT format and we converted it to SQLite tables. </a:t>
+            </a:r>
+          </a:p>
+          <a:p>
+            <a:pPr marL="0" indent="0" algn="just">
               <a:buNone/>
             </a:pPr>
             <a:r>
               <a:rPr lang="en-US" sz="2750" dirty="0"/>
-              <a:t>We used the database to extract the data we needed. The extracted data were saved in CSV files. </a:t>
-            </a:r>
-          </a:p>
-          <a:p>
-            <a:pPr marL="0" indent="0">
-              <a:buNone/>
-            </a:pPr>
-            <a:r>
-              <a:rPr lang="en-US" sz="2750" dirty="0"/>
-              <a:t>Due to the large size of database, we kept the SQLite database available online </a:t>
+              <a:t>We used the database to extract the data we needed. The extracted data were saved in CSV files. Due to the large size of database, we kept the SQLite database available online.</a:t>
             </a:r>
           </a:p>
         </p:txBody>
@@ -6907,8 +6898,8 @@
         </p:nvSpPr>
         <p:spPr>
           <a:xfrm>
-            <a:off x="9686727" y="18122020"/>
-            <a:ext cx="8001000" cy="2687153"/>
+            <a:off x="9686727" y="17560909"/>
+            <a:ext cx="8001000" cy="2400952"/>
           </a:xfrm>
           <a:prstGeom prst="rect">
             <a:avLst/>
@@ -7142,7 +7133,7 @@
             </a:pPr>
             <a:r>
               <a:rPr lang="en-US" sz="2750" dirty="0"/>
-              <a:t>The results of statistical analysis of BRFSS data from 2007 to 2017 of the effects of six factors on mental health (depression and anxiety). The analysis of data was our evaluation method of approving the hypothesis.</a:t>
+              <a:t>The results of statistical analysis of BRFSS data from 2007 to 2017 of the effects of six factors on mental health (depression and anxiety). The analysis of data was our evaluation method of the research hypothesis.</a:t>
             </a:r>
           </a:p>
         </p:txBody>
@@ -7427,6 +7418,335 @@
           </a:p>
         </p:txBody>
       </p:sp>
+      <p:sp>
+        <p:nvSpPr>
+          <p:cNvPr id="5" name="Rectangle 4">
+            <a:extLst>
+              <a:ext uri="{FF2B5EF4-FFF2-40B4-BE49-F238E27FC236}">
+                <a16:creationId xmlns:a16="http://schemas.microsoft.com/office/drawing/2014/main" id="{A30D80B1-04B0-A540-AA8F-F1461BFFE8F5}"/>
+              </a:ext>
+            </a:extLst>
+          </p:cNvPr>
+          <p:cNvSpPr/>
+          <p:nvPr/>
+        </p:nvSpPr>
+        <p:spPr>
+          <a:xfrm>
+            <a:off x="20783550" y="-1"/>
+            <a:ext cx="6629400" cy="4267201"/>
+          </a:xfrm>
+          <a:prstGeom prst="rect">
+            <a:avLst/>
+          </a:prstGeom>
+          <a:solidFill>
+            <a:schemeClr val="tx1">
+              <a:lumMod val="95000"/>
+              <a:lumOff val="5000"/>
+              <a:alpha val="28000"/>
+            </a:schemeClr>
+          </a:solidFill>
+          <a:ln>
+            <a:noFill/>
+          </a:ln>
+        </p:spPr>
+        <p:style>
+          <a:lnRef idx="2">
+            <a:schemeClr val="accent1">
+              <a:shade val="50000"/>
+            </a:schemeClr>
+          </a:lnRef>
+          <a:fillRef idx="1">
+            <a:schemeClr val="accent1"/>
+          </a:fillRef>
+          <a:effectRef idx="0">
+            <a:schemeClr val="accent1"/>
+          </a:effectRef>
+          <a:fontRef idx="minor">
+            <a:schemeClr val="lt1"/>
+          </a:fontRef>
+        </p:style>
+        <p:txBody>
+          <a:bodyPr rtlCol="0" anchor="ctr"/>
+          <a:lstStyle/>
+          <a:p>
+            <a:pPr algn="ctr"/>
+            <a:endParaRPr lang="en-US" sz="6000" dirty="0" err="1"/>
+          </a:p>
+        </p:txBody>
+      </p:sp>
+      <p:pic>
+        <p:nvPicPr>
+          <p:cNvPr id="13" name="Graphic 12">
+            <a:extLst>
+              <a:ext uri="{FF2B5EF4-FFF2-40B4-BE49-F238E27FC236}">
+                <a16:creationId xmlns:a16="http://schemas.microsoft.com/office/drawing/2014/main" id="{76DDF52B-9D3B-DB47-BFE4-4823777118D7}"/>
+              </a:ext>
+            </a:extLst>
+          </p:cNvPr>
+          <p:cNvPicPr>
+            <a:picLocks noChangeAspect="1"/>
+          </p:cNvPicPr>
+          <p:nvPr/>
+        </p:nvPicPr>
+        <p:blipFill>
+          <a:blip r:embed="rId17">
+            <a:extLst>
+              <a:ext uri="{28A0092B-C50C-407E-A947-70E740481C1C}">
+                <a14:useLocalDpi xmlns:a14="http://schemas.microsoft.com/office/drawing/2010/main" val="0"/>
+              </a:ext>
+              <a:ext uri="{96DAC541-7B7A-43D3-8B79-37D633B846F1}">
+                <asvg:svgBlip xmlns:asvg="http://schemas.microsoft.com/office/drawing/2016/SVG/main" r:embed="rId18"/>
+              </a:ext>
+            </a:extLst>
+          </a:blip>
+          <a:stretch>
+            <a:fillRect/>
+          </a:stretch>
+        </p:blipFill>
+        <p:spPr>
+          <a:xfrm>
+            <a:off x="24491949" y="3495765"/>
+            <a:ext cx="2699043" cy="2699043"/>
+          </a:xfrm>
+          <a:prstGeom prst="rect">
+            <a:avLst/>
+          </a:prstGeom>
+        </p:spPr>
+      </p:pic>
+      <p:pic>
+        <p:nvPicPr>
+          <p:cNvPr id="16" name="Picture 15">
+            <a:extLst>
+              <a:ext uri="{FF2B5EF4-FFF2-40B4-BE49-F238E27FC236}">
+                <a16:creationId xmlns:a16="http://schemas.microsoft.com/office/drawing/2014/main" id="{180C92B9-4FFF-8F43-A0E3-F21E5C14AF9D}"/>
+              </a:ext>
+            </a:extLst>
+          </p:cNvPr>
+          <p:cNvPicPr>
+            <a:picLocks noChangeAspect="1"/>
+          </p:cNvPicPr>
+          <p:nvPr/>
+        </p:nvPicPr>
+        <p:blipFill>
+          <a:blip r:embed="rId19">
+            <a:extLst>
+              <a:ext uri="{28A0092B-C50C-407E-A947-70E740481C1C}">
+                <a14:useLocalDpi xmlns:a14="http://schemas.microsoft.com/office/drawing/2010/main" val="0"/>
+              </a:ext>
+            </a:extLst>
+          </a:blip>
+          <a:stretch>
+            <a:fillRect/>
+          </a:stretch>
+        </p:blipFill>
+        <p:spPr>
+          <a:xfrm>
+            <a:off x="199932" y="30048121"/>
+            <a:ext cx="1028886" cy="1102070"/>
+          </a:xfrm>
+          <a:prstGeom prst="rect">
+            <a:avLst/>
+          </a:prstGeom>
+        </p:spPr>
+      </p:pic>
+      <p:pic>
+        <p:nvPicPr>
+          <p:cNvPr id="20" name="Graphic 19">
+            <a:extLst>
+              <a:ext uri="{FF2B5EF4-FFF2-40B4-BE49-F238E27FC236}">
+                <a16:creationId xmlns:a16="http://schemas.microsoft.com/office/drawing/2014/main" id="{55C78FAA-A15E-594D-9B16-7E98ADD0A3D9}"/>
+              </a:ext>
+            </a:extLst>
+          </p:cNvPr>
+          <p:cNvPicPr>
+            <a:picLocks noChangeAspect="1"/>
+          </p:cNvPicPr>
+          <p:nvPr/>
+        </p:nvPicPr>
+        <p:blipFill rotWithShape="1">
+          <a:blip r:embed="rId20">
+            <a:extLst>
+              <a:ext uri="{28A0092B-C50C-407E-A947-70E740481C1C}">
+                <a14:useLocalDpi xmlns:a14="http://schemas.microsoft.com/office/drawing/2010/main" val="0"/>
+              </a:ext>
+              <a:ext uri="{96DAC541-7B7A-43D3-8B79-37D633B846F1}">
+                <asvg:svgBlip xmlns:asvg="http://schemas.microsoft.com/office/drawing/2016/SVG/main" r:embed="rId21"/>
+              </a:ext>
+            </a:extLst>
+          </a:blip>
+          <a:srcRect t="1002" r="68641"/>
+          <a:stretch/>
+        </p:blipFill>
+        <p:spPr>
+          <a:xfrm>
+            <a:off x="8046212" y="31150191"/>
+            <a:ext cx="1028886" cy="941964"/>
+          </a:xfrm>
+          <a:prstGeom prst="rect">
+            <a:avLst/>
+          </a:prstGeom>
+          <a:effectLst>
+            <a:outerShdw blurRad="50800" dist="38100" dir="5400000" algn="t" rotWithShape="0">
+              <a:prstClr val="black">
+                <a:alpha val="40000"/>
+              </a:prstClr>
+            </a:outerShdw>
+          </a:effectLst>
+        </p:spPr>
+      </p:pic>
+      <p:pic>
+        <p:nvPicPr>
+          <p:cNvPr id="30" name="Graphic 29">
+            <a:extLst>
+              <a:ext uri="{FF2B5EF4-FFF2-40B4-BE49-F238E27FC236}">
+                <a16:creationId xmlns:a16="http://schemas.microsoft.com/office/drawing/2014/main" id="{462CA1A3-7EDF-5B4B-A3BC-E27D570A4125}"/>
+              </a:ext>
+            </a:extLst>
+          </p:cNvPr>
+          <p:cNvPicPr>
+            <a:picLocks noChangeAspect="1"/>
+          </p:cNvPicPr>
+          <p:nvPr/>
+        </p:nvPicPr>
+        <p:blipFill>
+          <a:blip r:embed="rId22">
+            <a:extLst>
+              <a:ext uri="{28A0092B-C50C-407E-A947-70E740481C1C}">
+                <a14:useLocalDpi xmlns:a14="http://schemas.microsoft.com/office/drawing/2010/main" val="0"/>
+              </a:ext>
+              <a:ext uri="{96DAC541-7B7A-43D3-8B79-37D633B846F1}">
+                <asvg:svgBlip xmlns:asvg="http://schemas.microsoft.com/office/drawing/2016/SVG/main" r:embed="rId23"/>
+              </a:ext>
+            </a:extLst>
+          </a:blip>
+          <a:stretch>
+            <a:fillRect/>
+          </a:stretch>
+        </p:blipFill>
+        <p:spPr>
+          <a:xfrm>
+            <a:off x="8188886" y="35151435"/>
+            <a:ext cx="995034" cy="941965"/>
+          </a:xfrm>
+          <a:prstGeom prst="rect">
+            <a:avLst/>
+          </a:prstGeom>
+        </p:spPr>
+      </p:pic>
+      <p:pic>
+        <p:nvPicPr>
+          <p:cNvPr id="38" name="Picture 37">
+            <a:extLst>
+              <a:ext uri="{FF2B5EF4-FFF2-40B4-BE49-F238E27FC236}">
+                <a16:creationId xmlns:a16="http://schemas.microsoft.com/office/drawing/2014/main" id="{6A8CD2BC-2428-5B41-A396-0268ECE4E392}"/>
+              </a:ext>
+            </a:extLst>
+          </p:cNvPr>
+          <p:cNvPicPr>
+            <a:picLocks noChangeAspect="1"/>
+          </p:cNvPicPr>
+          <p:nvPr/>
+        </p:nvPicPr>
+        <p:blipFill>
+          <a:blip r:embed="rId24">
+            <a:extLst>
+              <a:ext uri="{28A0092B-C50C-407E-A947-70E740481C1C}">
+                <a14:useLocalDpi xmlns:a14="http://schemas.microsoft.com/office/drawing/2010/main" val="0"/>
+              </a:ext>
+            </a:extLst>
+          </a:blip>
+          <a:stretch>
+            <a:fillRect/>
+          </a:stretch>
+        </p:blipFill>
+        <p:spPr>
+          <a:xfrm>
+            <a:off x="16984239" y="12808279"/>
+            <a:ext cx="1264734" cy="1264734"/>
+          </a:xfrm>
+          <a:prstGeom prst="rect">
+            <a:avLst/>
+          </a:prstGeom>
+        </p:spPr>
+      </p:pic>
+      <p:pic>
+        <p:nvPicPr>
+          <p:cNvPr id="44" name="Graphic 43">
+            <a:extLst>
+              <a:ext uri="{FF2B5EF4-FFF2-40B4-BE49-F238E27FC236}">
+                <a16:creationId xmlns:a16="http://schemas.microsoft.com/office/drawing/2014/main" id="{AB1CEF34-3489-0146-92E7-02FDA2E55696}"/>
+              </a:ext>
+            </a:extLst>
+          </p:cNvPr>
+          <p:cNvPicPr>
+            <a:picLocks noChangeAspect="1"/>
+          </p:cNvPicPr>
+          <p:nvPr/>
+        </p:nvPicPr>
+        <p:blipFill>
+          <a:blip r:embed="rId25">
+            <a:extLst>
+              <a:ext uri="{28A0092B-C50C-407E-A947-70E740481C1C}">
+                <a14:useLocalDpi xmlns:a14="http://schemas.microsoft.com/office/drawing/2010/main" val="0"/>
+              </a:ext>
+              <a:ext uri="{96DAC541-7B7A-43D3-8B79-37D633B846F1}">
+                <asvg:svgBlip xmlns:asvg="http://schemas.microsoft.com/office/drawing/2016/SVG/main" r:embed="rId26"/>
+              </a:ext>
+            </a:extLst>
+          </a:blip>
+          <a:stretch>
+            <a:fillRect/>
+          </a:stretch>
+        </p:blipFill>
+        <p:spPr>
+          <a:xfrm>
+            <a:off x="16544021" y="25579583"/>
+            <a:ext cx="880436" cy="880436"/>
+          </a:xfrm>
+          <a:prstGeom prst="rect">
+            <a:avLst/>
+          </a:prstGeom>
+        </p:spPr>
+      </p:pic>
+      <p:pic>
+        <p:nvPicPr>
+          <p:cNvPr id="46" name="Graphic 45">
+            <a:extLst>
+              <a:ext uri="{FF2B5EF4-FFF2-40B4-BE49-F238E27FC236}">
+                <a16:creationId xmlns:a16="http://schemas.microsoft.com/office/drawing/2014/main" id="{7AACA484-4D19-CF42-8122-AD2AAA08C99E}"/>
+              </a:ext>
+            </a:extLst>
+          </p:cNvPr>
+          <p:cNvPicPr>
+            <a:picLocks noChangeAspect="1"/>
+          </p:cNvPicPr>
+          <p:nvPr/>
+        </p:nvPicPr>
+        <p:blipFill>
+          <a:blip r:embed="rId27">
+            <a:extLst>
+              <a:ext uri="{28A0092B-C50C-407E-A947-70E740481C1C}">
+                <a14:useLocalDpi xmlns:a14="http://schemas.microsoft.com/office/drawing/2010/main" val="0"/>
+              </a:ext>
+              <a:ext uri="{96DAC541-7B7A-43D3-8B79-37D633B846F1}">
+                <asvg:svgBlip xmlns:asvg="http://schemas.microsoft.com/office/drawing/2016/SVG/main" r:embed="rId28"/>
+              </a:ext>
+            </a:extLst>
+          </a:blip>
+          <a:stretch>
+            <a:fillRect/>
+          </a:stretch>
+        </p:blipFill>
+        <p:spPr>
+          <a:xfrm>
+            <a:off x="17111580" y="17860391"/>
+            <a:ext cx="1152292" cy="1337152"/>
+          </a:xfrm>
+          <a:prstGeom prst="rect">
+            <a:avLst/>
+          </a:prstGeom>
+        </p:spPr>
+      </p:pic>
     </p:spTree>
     <p:extLst>
       <p:ext uri="{BB962C8B-B14F-4D97-AF65-F5344CB8AC3E}">

--- a/poster/poster.pptx
+++ b/poster/poster.pptx
@@ -4552,17 +4552,19 @@
       </p:grpSpPr>
       <p:pic>
         <p:nvPicPr>
-          <p:cNvPr id="43" name="Graphic 42">
+          <p:cNvPr id="41" name="Content Placeholder 40">
             <a:extLst>
               <a:ext uri="{FF2B5EF4-FFF2-40B4-BE49-F238E27FC236}">
-                <a16:creationId xmlns:a16="http://schemas.microsoft.com/office/drawing/2014/main" id="{28892095-AF73-E943-A7FB-44BB89900ADF}"/>
+                <a16:creationId xmlns:a16="http://schemas.microsoft.com/office/drawing/2014/main" id="{A9D9BE58-86E2-B641-8A80-713DBB40C846}"/>
               </a:ext>
             </a:extLst>
           </p:cNvPr>
           <p:cNvPicPr>
-            <a:picLocks noChangeAspect="1"/>
+            <a:picLocks noGrp="1" noChangeAspect="1"/>
           </p:cNvPicPr>
-          <p:nvPr/>
+          <p:nvPr>
+            <p:ph sz="quarter" idx="27"/>
+          </p:nvPr>
         </p:nvPicPr>
         <p:blipFill>
           <a:blip r:embed="rId3">
@@ -4581,20 +4583,17 @@
         </p:blipFill>
         <p:spPr>
           <a:xfrm>
-            <a:off x="9488043" y="30700699"/>
-            <a:ext cx="8398367" cy="5598911"/>
+            <a:off x="18431593" y="20506666"/>
+            <a:ext cx="4314825" cy="3772525"/>
           </a:xfrm>
-          <a:prstGeom prst="rect">
-            <a:avLst/>
-          </a:prstGeom>
         </p:spPr>
       </p:pic>
       <p:pic>
         <p:nvPicPr>
-          <p:cNvPr id="49" name="Graphic 48">
+          <p:cNvPr id="51" name="Graphic 50">
             <a:extLst>
               <a:ext uri="{FF2B5EF4-FFF2-40B4-BE49-F238E27FC236}">
-                <a16:creationId xmlns:a16="http://schemas.microsoft.com/office/drawing/2014/main" id="{1F0B213D-6E9D-BC47-B6AA-CDA8A5D6A24A}"/>
+                <a16:creationId xmlns:a16="http://schemas.microsoft.com/office/drawing/2014/main" id="{BEB4B287-E884-9A44-9221-463A0398786D}"/>
               </a:ext>
             </a:extLst>
           </p:cNvPr>
@@ -4620,8 +4619,8 @@
         </p:blipFill>
         <p:spPr>
           <a:xfrm>
-            <a:off x="9488042" y="25331279"/>
-            <a:ext cx="8398368" cy="5598912"/>
+            <a:off x="22742817" y="20092655"/>
+            <a:ext cx="4314825" cy="4314825"/>
           </a:xfrm>
           <a:prstGeom prst="rect">
             <a:avLst/>
@@ -4630,10 +4629,10 @@
       </p:pic>
       <p:pic>
         <p:nvPicPr>
-          <p:cNvPr id="26" name="Graphic 25">
+          <p:cNvPr id="43" name="Graphic 42">
             <a:extLst>
               <a:ext uri="{FF2B5EF4-FFF2-40B4-BE49-F238E27FC236}">
-                <a16:creationId xmlns:a16="http://schemas.microsoft.com/office/drawing/2014/main" id="{B56994DA-F6CC-8844-8D91-46DE0E003460}"/>
+                <a16:creationId xmlns:a16="http://schemas.microsoft.com/office/drawing/2014/main" id="{28892095-AF73-E943-A7FB-44BB89900ADF}"/>
               </a:ext>
             </a:extLst>
           </p:cNvPr>
@@ -4659,8 +4658,8 @@
         </p:blipFill>
         <p:spPr>
           <a:xfrm>
-            <a:off x="9426893" y="19999757"/>
-            <a:ext cx="8398368" cy="5598912"/>
+            <a:off x="9437004" y="30751556"/>
+            <a:ext cx="8480284" cy="5653522"/>
           </a:xfrm>
           <a:prstGeom prst="rect">
             <a:avLst/>
@@ -4669,10 +4668,10 @@
       </p:pic>
       <p:pic>
         <p:nvPicPr>
-          <p:cNvPr id="47" name="Graphic 46">
+          <p:cNvPr id="49" name="Graphic 48">
             <a:extLst>
               <a:ext uri="{FF2B5EF4-FFF2-40B4-BE49-F238E27FC236}">
-                <a16:creationId xmlns:a16="http://schemas.microsoft.com/office/drawing/2014/main" id="{DBE19F2A-2175-644C-A29A-317A0E643784}"/>
+                <a16:creationId xmlns:a16="http://schemas.microsoft.com/office/drawing/2014/main" id="{1F0B213D-6E9D-BC47-B6AA-CDA8A5D6A24A}"/>
               </a:ext>
             </a:extLst>
           </p:cNvPr>
@@ -4698,7 +4697,46 @@
         </p:blipFill>
         <p:spPr>
           <a:xfrm>
-            <a:off x="18659277" y="5713141"/>
+            <a:off x="18523358" y="11291883"/>
+            <a:ext cx="8398367" cy="5598911"/>
+          </a:xfrm>
+          <a:prstGeom prst="rect">
+            <a:avLst/>
+          </a:prstGeom>
+        </p:spPr>
+      </p:pic>
+      <p:pic>
+        <p:nvPicPr>
+          <p:cNvPr id="47" name="Graphic 46">
+            <a:extLst>
+              <a:ext uri="{FF2B5EF4-FFF2-40B4-BE49-F238E27FC236}">
+                <a16:creationId xmlns:a16="http://schemas.microsoft.com/office/drawing/2014/main" id="{DBE19F2A-2175-644C-A29A-317A0E643784}"/>
+              </a:ext>
+            </a:extLst>
+          </p:cNvPr>
+          <p:cNvPicPr>
+            <a:picLocks noChangeAspect="1"/>
+          </p:cNvPicPr>
+          <p:nvPr/>
+        </p:nvPicPr>
+        <p:blipFill>
+          <a:blip r:embed="rId11">
+            <a:extLst>
+              <a:ext uri="{28A0092B-C50C-407E-A947-70E740481C1C}">
+                <a14:useLocalDpi xmlns:a14="http://schemas.microsoft.com/office/drawing/2010/main" val="0"/>
+              </a:ext>
+              <a:ext uri="{96DAC541-7B7A-43D3-8B79-37D633B846F1}">
+                <asvg:svgBlip xmlns:asvg="http://schemas.microsoft.com/office/drawing/2016/SVG/main" r:embed="rId12"/>
+              </a:ext>
+            </a:extLst>
+          </a:blip>
+          <a:stretch>
+            <a:fillRect/>
+          </a:stretch>
+        </p:blipFill>
+        <p:spPr>
+          <a:xfrm>
+            <a:off x="18543633" y="5853101"/>
             <a:ext cx="8398366" cy="5598911"/>
           </a:xfrm>
           <a:prstGeom prst="rect">
@@ -4830,7 +4868,7 @@
           <a:p>
             <a:r>
               <a:rPr lang="en-US" dirty="0"/>
-              <a:t>Depression and anxiety are two widespread types of disorders that cause a tremendous consequence on human life. The World Health  Organization  (WHO)  has  ranked  depression as  the  fourth  leading  cause  of  human  disability.  By  2020,it  is  expected  to  be  the  second  leading  cause  [19].</a:t>
+              <a:t>Depression and anxiety are two widespread types of disorders that cause a tremendous consequence on human life. The World Health  Organization  (WHO)  has  ranked  depression as  the  fourth  leading  cause  of  human  disability.  By  2020, it is  expected  to  be  the  second  leading  cause  [19].</a:t>
             </a:r>
           </a:p>
           <a:p>
@@ -5004,7 +5042,12 @@
             <p:ph type="body" sz="quarter" idx="41"/>
           </p:nvPr>
         </p:nvSpPr>
-        <p:spPr/>
+        <p:spPr>
+          <a:xfrm>
+            <a:off x="18742317" y="24364471"/>
+            <a:ext cx="8001000" cy="1354667"/>
+          </a:xfrm>
+        </p:spPr>
         <p:txBody>
           <a:bodyPr/>
           <a:lstStyle/>
@@ -5029,7 +5072,7 @@
         </p:nvSpPr>
         <p:spPr>
           <a:xfrm>
-            <a:off x="18688050" y="33467886"/>
+            <a:off x="18688542" y="34223958"/>
             <a:ext cx="8001000" cy="1354667"/>
           </a:xfrm>
         </p:spPr>
@@ -5078,13 +5121,13 @@
           </p:nvPr>
         </p:nvPicPr>
         <p:blipFill rotWithShape="1">
-          <a:blip r:embed="rId11">
+          <a:blip r:embed="rId13">
             <a:extLst>
               <a:ext uri="{28A0092B-C50C-407E-A947-70E740481C1C}">
                 <a14:useLocalDpi xmlns:a14="http://schemas.microsoft.com/office/drawing/2010/main" val="0"/>
               </a:ext>
               <a:ext uri="{96DAC541-7B7A-43D3-8B79-37D633B846F1}">
-                <asvg:svgBlip xmlns:asvg="http://schemas.microsoft.com/office/drawing/2016/SVG/main" r:embed="rId12"/>
+                <asvg:svgBlip xmlns:asvg="http://schemas.microsoft.com/office/drawing/2016/SVG/main" r:embed="rId14"/>
               </a:ext>
             </a:extLst>
           </a:blip>
@@ -5480,7 +5523,7 @@
             </a:pPr>
             <a:r>
               <a:rPr lang="en-US" sz="2750" dirty="0"/>
-              <a:t>We also produced an interactive visualization that is portable on all operating systems. In this visualization, users can pick a behavioral factor, and not only visually see the effect of this factor on mental health for eleven years, but also can get information from each US state by hover the mouse over the state. A picture of the interactive visualization is in the top right corner of this poster. </a:t>
+              <a:t>We also produced an interactive visualization that is portable on all operating systems. In this visualization, users can pick a behavioral factor, and not only visually see the effect of this factor on mental health for eleven years, but also can get information from each US state by hovering the mouse over the state. A picture of the interactive visualization is in the top right corner of this poster. </a:t>
             </a:r>
           </a:p>
           <a:p>
@@ -6278,83 +6321,6 @@
           </a:p>
         </p:txBody>
       </p:sp>
-      <p:pic>
-        <p:nvPicPr>
-          <p:cNvPr id="41" name="Content Placeholder 40">
-            <a:extLst>
-              <a:ext uri="{FF2B5EF4-FFF2-40B4-BE49-F238E27FC236}">
-                <a16:creationId xmlns:a16="http://schemas.microsoft.com/office/drawing/2014/main" id="{A9D9BE58-86E2-B641-8A80-713DBB40C846}"/>
-              </a:ext>
-            </a:extLst>
-          </p:cNvPr>
-          <p:cNvPicPr>
-            <a:picLocks noGrp="1" noChangeAspect="1"/>
-          </p:cNvPicPr>
-          <p:nvPr>
-            <p:ph sz="quarter" idx="27"/>
-          </p:nvPr>
-        </p:nvPicPr>
-        <p:blipFill>
-          <a:blip r:embed="rId13">
-            <a:extLst>
-              <a:ext uri="{28A0092B-C50C-407E-A947-70E740481C1C}">
-                <a14:useLocalDpi xmlns:a14="http://schemas.microsoft.com/office/drawing/2010/main" val="0"/>
-              </a:ext>
-              <a:ext uri="{96DAC541-7B7A-43D3-8B79-37D633B846F1}">
-                <asvg:svgBlip xmlns:asvg="http://schemas.microsoft.com/office/drawing/2016/SVG/main" r:embed="rId14"/>
-              </a:ext>
-            </a:extLst>
-          </a:blip>
-          <a:stretch>
-            <a:fillRect/>
-          </a:stretch>
-        </p:blipFill>
-        <p:spPr>
-          <a:xfrm>
-            <a:off x="18462743" y="17518999"/>
-            <a:ext cx="4314825" cy="3772525"/>
-          </a:xfrm>
-        </p:spPr>
-      </p:pic>
-      <p:pic>
-        <p:nvPicPr>
-          <p:cNvPr id="51" name="Graphic 50">
-            <a:extLst>
-              <a:ext uri="{FF2B5EF4-FFF2-40B4-BE49-F238E27FC236}">
-                <a16:creationId xmlns:a16="http://schemas.microsoft.com/office/drawing/2014/main" id="{BEB4B287-E884-9A44-9221-463A0398786D}"/>
-              </a:ext>
-            </a:extLst>
-          </p:cNvPr>
-          <p:cNvPicPr>
-            <a:picLocks noChangeAspect="1"/>
-          </p:cNvPicPr>
-          <p:nvPr/>
-        </p:nvPicPr>
-        <p:blipFill>
-          <a:blip r:embed="rId15">
-            <a:extLst>
-              <a:ext uri="{28A0092B-C50C-407E-A947-70E740481C1C}">
-                <a14:useLocalDpi xmlns:a14="http://schemas.microsoft.com/office/drawing/2010/main" val="0"/>
-              </a:ext>
-              <a:ext uri="{96DAC541-7B7A-43D3-8B79-37D633B846F1}">
-                <asvg:svgBlip xmlns:asvg="http://schemas.microsoft.com/office/drawing/2016/SVG/main" r:embed="rId16"/>
-              </a:ext>
-            </a:extLst>
-          </a:blip>
-          <a:stretch>
-            <a:fillRect/>
-          </a:stretch>
-        </p:blipFill>
-        <p:spPr>
-          <a:xfrm>
-            <a:off x="22742818" y="17130251"/>
-            <a:ext cx="4314825" cy="4314825"/>
-          </a:xfrm>
-          <a:prstGeom prst="rect">
-            <a:avLst/>
-          </a:prstGeom>
-        </p:spPr>
-      </p:pic>
       <p:sp>
         <p:nvSpPr>
           <p:cNvPr id="59" name="Content Placeholder 10">
@@ -6371,8 +6337,8 @@
         </p:nvSpPr>
         <p:spPr>
           <a:xfrm>
-            <a:off x="18652808" y="23490774"/>
-            <a:ext cx="8001000" cy="9656225"/>
+            <a:off x="18688050" y="25873634"/>
+            <a:ext cx="8001000" cy="8193774"/>
           </a:xfrm>
           <a:prstGeom prst="rect">
             <a:avLst/>
@@ -6603,7 +6569,7 @@
             </a:pPr>
             <a:r>
               <a:rPr lang="en-US" sz="2750" dirty="0"/>
-              <a:t>The  research  showed  that the six behavioral  habits  has  effect on  mental  health  particularly  on  depression  and  anxiety. The  research  conducted  set  of  analysis  to  extract  the data from BRFSS dataset from 2007 to 2017. </a:t>
+              <a:t>The  research  showed  that the six behavioral  habits  has  effect on  mental  health  particularly  on  depression  and  anxiety. The data is from BRFSS dataset from 2007 to 2017. </a:t>
             </a:r>
           </a:p>
           <a:p>
@@ -6612,7 +6578,7 @@
             </a:pPr>
             <a:r>
               <a:rPr lang="en-US" sz="2750" dirty="0"/>
-              <a:t>The analytics activities included, data conversion, cleaning, normalization, aggregation,  and  applying  machine  and  deep  learning  algorithms.  The  best  accuracy  achieved  was  69%  with  the six  features  of  the  research  and  got  enhanced  to  72%  after tuning the model by adding new features and removing some features. </a:t>
+              <a:t>The analytics activities included, data conversion, cleaning, normalization, aggregation,  and  applying  machine  and  deep  learning  algorithms.  The  best  accuracy  achieved  after model enhancing was 72%. </a:t>
             </a:r>
           </a:p>
           <a:p>
@@ -6642,8 +6608,8 @@
         </p:nvSpPr>
         <p:spPr>
           <a:xfrm>
-            <a:off x="18687558" y="34944943"/>
-            <a:ext cx="8001000" cy="1354667"/>
+            <a:off x="18688050" y="35624816"/>
+            <a:ext cx="8001000" cy="519384"/>
           </a:xfrm>
           <a:prstGeom prst="rect">
             <a:avLst/>
@@ -7154,8 +7120,8 @@
         </p:nvSpPr>
         <p:spPr>
           <a:xfrm>
-            <a:off x="18652808" y="11439761"/>
-            <a:ext cx="8001000" cy="5695864"/>
+            <a:off x="18694526" y="16920910"/>
+            <a:ext cx="8001000" cy="3509350"/>
           </a:xfrm>
           <a:prstGeom prst="rect">
             <a:avLst/>
@@ -7389,31 +7355,7 @@
             </a:pPr>
             <a:r>
               <a:rPr lang="en-US" sz="2750" dirty="0"/>
-              <a:t>We used Machine Learning and Deep Learning analysis to produce a prediction model. </a:t>
-            </a:r>
-          </a:p>
-          <a:p>
-            <a:pPr marL="0" indent="0">
-              <a:spcAft>
-                <a:spcPts val="1800"/>
-              </a:spcAft>
-              <a:buNone/>
-            </a:pPr>
-            <a:r>
-              <a:rPr lang="en-US" sz="2750" dirty="0"/>
-              <a:t>To prune some of features, we used Random Forest feature importance, applied PCA using the first 24 principle components. And we used MINMAX method to normalize data.</a:t>
-            </a:r>
-          </a:p>
-          <a:p>
-            <a:pPr marL="0" indent="0">
-              <a:spcAft>
-                <a:spcPts val="1800"/>
-              </a:spcAft>
-              <a:buNone/>
-            </a:pPr>
-            <a:r>
-              <a:rPr lang="en-US" sz="2750" dirty="0"/>
-              <a:t>The  result  of  this  effort  was that the accuracy of our models for Random Forest and Gradient Boosting and DL increased to 72%. </a:t>
+              <a:t>We used ML/DL analysis to produce a prediction model. To prune features, we used Random Forest feature importance, applied PCA using the first 24 principle components, used MINMAX method to normalize data. The accuracy of the models (Random Forest and Gradient Boosting and Multiple Layer Perceptron) increased to 72%. </a:t>
             </a:r>
           </a:p>
         </p:txBody>
@@ -7489,13 +7431,13 @@
           <p:nvPr/>
         </p:nvPicPr>
         <p:blipFill>
-          <a:blip r:embed="rId17">
+          <a:blip r:embed="rId15">
             <a:extLst>
               <a:ext uri="{28A0092B-C50C-407E-A947-70E740481C1C}">
                 <a14:useLocalDpi xmlns:a14="http://schemas.microsoft.com/office/drawing/2010/main" val="0"/>
               </a:ext>
               <a:ext uri="{96DAC541-7B7A-43D3-8B79-37D633B846F1}">
-                <asvg:svgBlip xmlns:asvg="http://schemas.microsoft.com/office/drawing/2016/SVG/main" r:embed="rId18"/>
+                <asvg:svgBlip xmlns:asvg="http://schemas.microsoft.com/office/drawing/2016/SVG/main" r:embed="rId16"/>
               </a:ext>
             </a:extLst>
           </a:blip>
@@ -7528,7 +7470,7 @@
           <p:nvPr/>
         </p:nvPicPr>
         <p:blipFill>
-          <a:blip r:embed="rId19">
+          <a:blip r:embed="rId17">
             <a:extLst>
               <a:ext uri="{28A0092B-C50C-407E-A947-70E740481C1C}">
                 <a14:useLocalDpi xmlns:a14="http://schemas.microsoft.com/office/drawing/2010/main" val="0"/>
@@ -7564,13 +7506,13 @@
           <p:nvPr/>
         </p:nvPicPr>
         <p:blipFill rotWithShape="1">
-          <a:blip r:embed="rId20">
+          <a:blip r:embed="rId18">
             <a:extLst>
               <a:ext uri="{28A0092B-C50C-407E-A947-70E740481C1C}">
                 <a14:useLocalDpi xmlns:a14="http://schemas.microsoft.com/office/drawing/2010/main" val="0"/>
               </a:ext>
               <a:ext uri="{96DAC541-7B7A-43D3-8B79-37D633B846F1}">
-                <asvg:svgBlip xmlns:asvg="http://schemas.microsoft.com/office/drawing/2016/SVG/main" r:embed="rId21"/>
+                <asvg:svgBlip xmlns:asvg="http://schemas.microsoft.com/office/drawing/2016/SVG/main" r:embed="rId19"/>
               </a:ext>
             </a:extLst>
           </a:blip>
@@ -7609,13 +7551,13 @@
           <p:nvPr/>
         </p:nvPicPr>
         <p:blipFill>
-          <a:blip r:embed="rId22">
+          <a:blip r:embed="rId20">
             <a:extLst>
               <a:ext uri="{28A0092B-C50C-407E-A947-70E740481C1C}">
                 <a14:useLocalDpi xmlns:a14="http://schemas.microsoft.com/office/drawing/2010/main" val="0"/>
               </a:ext>
               <a:ext uri="{96DAC541-7B7A-43D3-8B79-37D633B846F1}">
-                <asvg:svgBlip xmlns:asvg="http://schemas.microsoft.com/office/drawing/2016/SVG/main" r:embed="rId23"/>
+                <asvg:svgBlip xmlns:asvg="http://schemas.microsoft.com/office/drawing/2016/SVG/main" r:embed="rId21"/>
               </a:ext>
             </a:extLst>
           </a:blip>
@@ -7648,7 +7590,7 @@
           <p:nvPr/>
         </p:nvPicPr>
         <p:blipFill>
-          <a:blip r:embed="rId24">
+          <a:blip r:embed="rId22">
             <a:extLst>
               <a:ext uri="{28A0092B-C50C-407E-A947-70E740481C1C}">
                 <a14:useLocalDpi xmlns:a14="http://schemas.microsoft.com/office/drawing/2010/main" val="0"/>
@@ -7671,10 +7613,49 @@
       </p:pic>
       <p:pic>
         <p:nvPicPr>
-          <p:cNvPr id="44" name="Graphic 43">
+          <p:cNvPr id="46" name="Graphic 45">
             <a:extLst>
               <a:ext uri="{FF2B5EF4-FFF2-40B4-BE49-F238E27FC236}">
-                <a16:creationId xmlns:a16="http://schemas.microsoft.com/office/drawing/2014/main" id="{AB1CEF34-3489-0146-92E7-02FDA2E55696}"/>
+                <a16:creationId xmlns:a16="http://schemas.microsoft.com/office/drawing/2014/main" id="{7AACA484-4D19-CF42-8122-AD2AAA08C99E}"/>
+              </a:ext>
+            </a:extLst>
+          </p:cNvPr>
+          <p:cNvPicPr>
+            <a:picLocks noChangeAspect="1"/>
+          </p:cNvPicPr>
+          <p:nvPr/>
+        </p:nvPicPr>
+        <p:blipFill>
+          <a:blip r:embed="rId23">
+            <a:extLst>
+              <a:ext uri="{28A0092B-C50C-407E-A947-70E740481C1C}">
+                <a14:useLocalDpi xmlns:a14="http://schemas.microsoft.com/office/drawing/2010/main" val="0"/>
+              </a:ext>
+              <a:ext uri="{96DAC541-7B7A-43D3-8B79-37D633B846F1}">
+                <asvg:svgBlip xmlns:asvg="http://schemas.microsoft.com/office/drawing/2016/SVG/main" r:embed="rId24"/>
+              </a:ext>
+            </a:extLst>
+          </a:blip>
+          <a:stretch>
+            <a:fillRect/>
+          </a:stretch>
+        </p:blipFill>
+        <p:spPr>
+          <a:xfrm>
+            <a:off x="17111580" y="17860391"/>
+            <a:ext cx="1152292" cy="1337152"/>
+          </a:xfrm>
+          <a:prstGeom prst="rect">
+            <a:avLst/>
+          </a:prstGeom>
+        </p:spPr>
+      </p:pic>
+      <p:pic>
+        <p:nvPicPr>
+          <p:cNvPr id="3" name="Graphic 2">
+            <a:extLst>
+              <a:ext uri="{FF2B5EF4-FFF2-40B4-BE49-F238E27FC236}">
+                <a16:creationId xmlns:a16="http://schemas.microsoft.com/office/drawing/2014/main" id="{5EE1CB88-707B-3647-8410-BE0245A798E8}"/>
               </a:ext>
             </a:extLst>
           </p:cNvPr>
@@ -7700,8 +7681,8 @@
         </p:blipFill>
         <p:spPr>
           <a:xfrm>
-            <a:off x="16544021" y="25579583"/>
-            <a:ext cx="880436" cy="880436"/>
+            <a:off x="9437004" y="25344922"/>
+            <a:ext cx="8480282" cy="5653522"/>
           </a:xfrm>
           <a:prstGeom prst="rect">
             <a:avLst/>
@@ -7710,10 +7691,10 @@
       </p:pic>
       <p:pic>
         <p:nvPicPr>
-          <p:cNvPr id="46" name="Graphic 45">
+          <p:cNvPr id="26" name="Graphic 25">
             <a:extLst>
               <a:ext uri="{FF2B5EF4-FFF2-40B4-BE49-F238E27FC236}">
-                <a16:creationId xmlns:a16="http://schemas.microsoft.com/office/drawing/2014/main" id="{7AACA484-4D19-CF42-8122-AD2AAA08C99E}"/>
+                <a16:creationId xmlns:a16="http://schemas.microsoft.com/office/drawing/2014/main" id="{B56994DA-F6CC-8844-8D91-46DE0E003460}"/>
               </a:ext>
             </a:extLst>
           </p:cNvPr>
@@ -7739,14 +7720,228 @@
         </p:blipFill>
         <p:spPr>
           <a:xfrm>
-            <a:off x="17111580" y="17860391"/>
-            <a:ext cx="1152292" cy="1337152"/>
+            <a:off x="9437004" y="19945624"/>
+            <a:ext cx="8480282" cy="5653522"/>
           </a:xfrm>
           <a:prstGeom prst="rect">
             <a:avLst/>
           </a:prstGeom>
         </p:spPr>
       </p:pic>
+      <p:pic>
+        <p:nvPicPr>
+          <p:cNvPr id="44" name="Graphic 43">
+            <a:extLst>
+              <a:ext uri="{FF2B5EF4-FFF2-40B4-BE49-F238E27FC236}">
+                <a16:creationId xmlns:a16="http://schemas.microsoft.com/office/drawing/2014/main" id="{AB1CEF34-3489-0146-92E7-02FDA2E55696}"/>
+              </a:ext>
+            </a:extLst>
+          </p:cNvPr>
+          <p:cNvPicPr>
+            <a:picLocks noChangeAspect="1"/>
+          </p:cNvPicPr>
+          <p:nvPr/>
+        </p:nvPicPr>
+        <p:blipFill>
+          <a:blip r:embed="rId29">
+            <a:extLst>
+              <a:ext uri="{28A0092B-C50C-407E-A947-70E740481C1C}">
+                <a14:useLocalDpi xmlns:a14="http://schemas.microsoft.com/office/drawing/2010/main" val="0"/>
+              </a:ext>
+              <a:ext uri="{96DAC541-7B7A-43D3-8B79-37D633B846F1}">
+                <asvg:svgBlip xmlns:asvg="http://schemas.microsoft.com/office/drawing/2016/SVG/main" r:embed="rId30"/>
+              </a:ext>
+            </a:extLst>
+          </a:blip>
+          <a:stretch>
+            <a:fillRect/>
+          </a:stretch>
+        </p:blipFill>
+        <p:spPr>
+          <a:xfrm>
+            <a:off x="16544021" y="25645034"/>
+            <a:ext cx="880436" cy="880436"/>
+          </a:xfrm>
+          <a:prstGeom prst="rect">
+            <a:avLst/>
+          </a:prstGeom>
+        </p:spPr>
+      </p:pic>
+      <p:sp>
+        <p:nvSpPr>
+          <p:cNvPr id="6" name="TextBox 5">
+            <a:extLst>
+              <a:ext uri="{FF2B5EF4-FFF2-40B4-BE49-F238E27FC236}">
+                <a16:creationId xmlns:a16="http://schemas.microsoft.com/office/drawing/2014/main" id="{568F7797-2915-2043-BCEE-F1144FF085D5}"/>
+              </a:ext>
+            </a:extLst>
+          </p:cNvPr>
+          <p:cNvSpPr txBox="1"/>
+          <p:nvPr/>
+        </p:nvSpPr>
+        <p:spPr>
+          <a:xfrm>
+            <a:off x="10545085" y="20176466"/>
+            <a:ext cx="4703532" cy="461665"/>
+          </a:xfrm>
+          <a:prstGeom prst="rect">
+            <a:avLst/>
+          </a:prstGeom>
+          <a:noFill/>
+        </p:spPr>
+        <p:txBody>
+          <a:bodyPr wrap="none" rtlCol="0">
+            <a:spAutoFit/>
+          </a:bodyPr>
+          <a:lstStyle/>
+          <a:p>
+            <a:r>
+              <a:rPr lang="en-US" sz="2400" dirty="0"/>
+              <a:t>Alcohol/Smoke vs Mental Health </a:t>
+            </a:r>
+          </a:p>
+        </p:txBody>
+      </p:sp>
+      <p:sp>
+        <p:nvSpPr>
+          <p:cNvPr id="40" name="TextBox 39">
+            <a:extLst>
+              <a:ext uri="{FF2B5EF4-FFF2-40B4-BE49-F238E27FC236}">
+                <a16:creationId xmlns:a16="http://schemas.microsoft.com/office/drawing/2014/main" id="{D3AF73DF-9D25-2843-9B0D-6F70B2874C91}"/>
+              </a:ext>
+            </a:extLst>
+          </p:cNvPr>
+          <p:cNvSpPr txBox="1"/>
+          <p:nvPr/>
+        </p:nvSpPr>
+        <p:spPr>
+          <a:xfrm>
+            <a:off x="10509004" y="25619634"/>
+            <a:ext cx="4019049" cy="461665"/>
+          </a:xfrm>
+          <a:prstGeom prst="rect">
+            <a:avLst/>
+          </a:prstGeom>
+          <a:noFill/>
+        </p:spPr>
+        <p:txBody>
+          <a:bodyPr wrap="none" rtlCol="0">
+            <a:spAutoFit/>
+          </a:bodyPr>
+          <a:lstStyle/>
+          <a:p>
+            <a:r>
+              <a:rPr lang="en-US" sz="2400" dirty="0"/>
+              <a:t>Education vs Mental Health </a:t>
+            </a:r>
+          </a:p>
+        </p:txBody>
+      </p:sp>
+      <p:sp>
+        <p:nvSpPr>
+          <p:cNvPr id="42" name="TextBox 41">
+            <a:extLst>
+              <a:ext uri="{FF2B5EF4-FFF2-40B4-BE49-F238E27FC236}">
+                <a16:creationId xmlns:a16="http://schemas.microsoft.com/office/drawing/2014/main" id="{6E2E533F-B6BA-624B-B8B6-198BD2945B8C}"/>
+              </a:ext>
+            </a:extLst>
+          </p:cNvPr>
+          <p:cNvSpPr txBox="1"/>
+          <p:nvPr/>
+        </p:nvSpPr>
+        <p:spPr>
+          <a:xfrm>
+            <a:off x="10509004" y="31000868"/>
+            <a:ext cx="5045612" cy="461665"/>
+          </a:xfrm>
+          <a:prstGeom prst="rect">
+            <a:avLst/>
+          </a:prstGeom>
+          <a:noFill/>
+        </p:spPr>
+        <p:txBody>
+          <a:bodyPr wrap="none" rtlCol="0">
+            <a:spAutoFit/>
+          </a:bodyPr>
+          <a:lstStyle/>
+          <a:p>
+            <a:r>
+              <a:rPr lang="en-US" sz="2400" dirty="0"/>
+              <a:t>Fruit/Vegetables vs Mental Health </a:t>
+            </a:r>
+          </a:p>
+        </p:txBody>
+      </p:sp>
+      <p:sp>
+        <p:nvSpPr>
+          <p:cNvPr id="45" name="TextBox 44">
+            <a:extLst>
+              <a:ext uri="{FF2B5EF4-FFF2-40B4-BE49-F238E27FC236}">
+                <a16:creationId xmlns:a16="http://schemas.microsoft.com/office/drawing/2014/main" id="{1D6EA7EA-A193-4E4F-86DE-0A23CD4BCA56}"/>
+              </a:ext>
+            </a:extLst>
+          </p:cNvPr>
+          <p:cNvSpPr txBox="1"/>
+          <p:nvPr/>
+        </p:nvSpPr>
+        <p:spPr>
+          <a:xfrm>
+            <a:off x="19536685" y="11491160"/>
+            <a:ext cx="3692036" cy="461665"/>
+          </a:xfrm>
+          <a:prstGeom prst="rect">
+            <a:avLst/>
+          </a:prstGeom>
+          <a:noFill/>
+        </p:spPr>
+        <p:txBody>
+          <a:bodyPr wrap="none" rtlCol="0">
+            <a:spAutoFit/>
+          </a:bodyPr>
+          <a:lstStyle/>
+          <a:p>
+            <a:r>
+              <a:rPr lang="en-US" sz="2400" dirty="0"/>
+              <a:t>Internet vs Mental Health </a:t>
+            </a:r>
+          </a:p>
+        </p:txBody>
+      </p:sp>
+      <p:sp>
+        <p:nvSpPr>
+          <p:cNvPr id="48" name="TextBox 47">
+            <a:extLst>
+              <a:ext uri="{FF2B5EF4-FFF2-40B4-BE49-F238E27FC236}">
+                <a16:creationId xmlns:a16="http://schemas.microsoft.com/office/drawing/2014/main" id="{BC3156AA-9F92-6E4D-A032-4E17645F0E95}"/>
+              </a:ext>
+            </a:extLst>
+          </p:cNvPr>
+          <p:cNvSpPr txBox="1"/>
+          <p:nvPr/>
+        </p:nvSpPr>
+        <p:spPr>
+          <a:xfrm>
+            <a:off x="19536685" y="6028474"/>
+            <a:ext cx="4838825" cy="461665"/>
+          </a:xfrm>
+          <a:prstGeom prst="rect">
+            <a:avLst/>
+          </a:prstGeom>
+          <a:noFill/>
+        </p:spPr>
+        <p:txBody>
+          <a:bodyPr wrap="none" rtlCol="0">
+            <a:spAutoFit/>
+          </a:bodyPr>
+          <a:lstStyle/>
+          <a:p>
+            <a:r>
+              <a:rPr lang="en-US" sz="2400" dirty="0"/>
+              <a:t>Physical Activity vs Mental Health </a:t>
+            </a:r>
+          </a:p>
+        </p:txBody>
+      </p:sp>
     </p:spTree>
     <p:extLst>
       <p:ext uri="{BB962C8B-B14F-4D97-AF65-F5344CB8AC3E}">
